--- a/slides/3rd-dynamic-graph-implementation.pptx
+++ b/slides/3rd-dynamic-graph-implementation.pptx
@@ -5,14 +5,15 @@
     <p:sldMasterId id="2147483648" r:id="rId1"/>
   </p:sldMasterIdLst>
   <p:notesMasterIdLst>
-    <p:notesMasterId r:id="rId7"/>
+    <p:notesMasterId r:id="rId8"/>
   </p:notesMasterIdLst>
   <p:sldIdLst>
     <p:sldId id="257" r:id="rId2"/>
     <p:sldId id="261" r:id="rId3"/>
     <p:sldId id="279" r:id="rId4"/>
     <p:sldId id="276" r:id="rId5"/>
-    <p:sldId id="269" r:id="rId6"/>
+    <p:sldId id="280" r:id="rId6"/>
+    <p:sldId id="269" r:id="rId7"/>
   </p:sldIdLst>
   <p:sldSz cx="12192000" cy="6858000"/>
   <p:notesSz cx="6858000" cy="9144000"/>
@@ -544,7 +545,7 @@
           <a:p>
             <a:fld id="{6594DF6C-BF38-4307-BF1B-8846C5E3F520}" type="slidenum">
               <a:rPr lang="ko-KR" altLang="en-US" smtClean="0"/>
-              <a:t>5</a:t>
+              <a:t>6</a:t>
             </a:fld>
             <a:endParaRPr lang="ko-KR" altLang="en-US"/>
           </a:p>
@@ -5670,6 +5671,192 @@
 </file>
 
 <file path=ppt/slides/slide5.xml><?xml version="1.0" encoding="utf-8"?>
+<p:sld xmlns:a="http://schemas.openxmlformats.org/drawingml/2006/main" xmlns:r="http://schemas.openxmlformats.org/officeDocument/2006/relationships" xmlns:p="http://schemas.openxmlformats.org/presentationml/2006/main">
+  <p:cSld>
+    <p:spTree>
+      <p:nvGrpSpPr>
+        <p:cNvPr id="1" name=""/>
+        <p:cNvGrpSpPr/>
+        <p:nvPr/>
+      </p:nvGrpSpPr>
+      <p:grpSpPr>
+        <a:xfrm>
+          <a:off x="0" y="0"/>
+          <a:ext cx="0" cy="0"/>
+          <a:chOff x="0" y="0"/>
+          <a:chExt cx="0" cy="0"/>
+        </a:xfrm>
+      </p:grpSpPr>
+      <p:sp>
+        <p:nvSpPr>
+          <p:cNvPr id="6" name="직사각형 5">
+            <a:extLst>
+              <a:ext uri="{FF2B5EF4-FFF2-40B4-BE49-F238E27FC236}">
+                <a16:creationId xmlns:a16="http://schemas.microsoft.com/office/drawing/2014/main" id="{93FD60D2-BBD0-4153-99BC-69CB5966D57A}"/>
+              </a:ext>
+            </a:extLst>
+          </p:cNvPr>
+          <p:cNvSpPr/>
+          <p:nvPr/>
+        </p:nvSpPr>
+        <p:spPr>
+          <a:xfrm>
+            <a:off x="0" y="0"/>
+            <a:ext cx="12192000" cy="6858000"/>
+          </a:xfrm>
+          <a:prstGeom prst="rect">
+            <a:avLst/>
+          </a:prstGeom>
+          <a:solidFill>
+            <a:srgbClr val="10232C"/>
+          </a:solidFill>
+          <a:ln>
+            <a:noFill/>
+          </a:ln>
+        </p:spPr>
+        <p:style>
+          <a:lnRef idx="2">
+            <a:schemeClr val="accent1">
+              <a:shade val="50000"/>
+            </a:schemeClr>
+          </a:lnRef>
+          <a:fillRef idx="1">
+            <a:schemeClr val="accent1"/>
+          </a:fillRef>
+          <a:effectRef idx="0">
+            <a:schemeClr val="accent1"/>
+          </a:effectRef>
+          <a:fontRef idx="minor">
+            <a:schemeClr val="lt1"/>
+          </a:fontRef>
+        </p:style>
+        <p:txBody>
+          <a:bodyPr rtlCol="0" anchor="ctr"/>
+          <a:lstStyle/>
+          <a:p>
+            <a:pPr algn="ctr"/>
+            <a:endParaRPr lang="ko-KR" altLang="en-US" dirty="0">
+              <a:latin typeface="helvetica" panose="020B0604020202020204" pitchFamily="34" charset="0"/>
+              <a:cs typeface="helvetica" panose="020B0604020202020204" pitchFamily="34" charset="0"/>
+            </a:endParaRPr>
+          </a:p>
+        </p:txBody>
+      </p:sp>
+      <p:sp>
+        <p:nvSpPr>
+          <p:cNvPr id="4" name="제목 3">
+            <a:extLst>
+              <a:ext uri="{FF2B5EF4-FFF2-40B4-BE49-F238E27FC236}">
+                <a16:creationId xmlns:a16="http://schemas.microsoft.com/office/drawing/2014/main" id="{01352715-472E-4054-8508-F8363F27CCFA}"/>
+              </a:ext>
+            </a:extLst>
+          </p:cNvPr>
+          <p:cNvSpPr>
+            <a:spLocks noGrp="1"/>
+          </p:cNvSpPr>
+          <p:nvPr>
+            <p:ph type="title"/>
+          </p:nvPr>
+        </p:nvSpPr>
+        <p:spPr>
+          <a:xfrm>
+            <a:off x="838200" y="365125"/>
+            <a:ext cx="10515600" cy="625475"/>
+          </a:xfrm>
+        </p:spPr>
+        <p:txBody>
+          <a:bodyPr/>
+          <a:lstStyle/>
+          <a:p>
+            <a:r>
+              <a:rPr lang="en-US" altLang="ko-KR" dirty="0">
+                <a:solidFill>
+                  <a:schemeClr val="bg1"/>
+                </a:solidFill>
+                <a:latin typeface="helvetica" panose="020B0604020202020204" pitchFamily="34" charset="0"/>
+                <a:cs typeface="helvetica" panose="020B0604020202020204" pitchFamily="34" charset="0"/>
+              </a:rPr>
+              <a:t>Retrospective</a:t>
+            </a:r>
+            <a:endParaRPr lang="ko-KR" altLang="en-US" dirty="0">
+              <a:solidFill>
+                <a:schemeClr val="bg1"/>
+              </a:solidFill>
+              <a:latin typeface="helvetica" panose="020B0604020202020204" pitchFamily="34" charset="0"/>
+              <a:cs typeface="helvetica" panose="020B0604020202020204" pitchFamily="34" charset="0"/>
+            </a:endParaRPr>
+          </a:p>
+        </p:txBody>
+      </p:sp>
+      <p:sp>
+        <p:nvSpPr>
+          <p:cNvPr id="7" name="직사각형 6">
+            <a:extLst>
+              <a:ext uri="{FF2B5EF4-FFF2-40B4-BE49-F238E27FC236}">
+                <a16:creationId xmlns:a16="http://schemas.microsoft.com/office/drawing/2014/main" id="{D94655CE-FBF6-4753-A7FC-666F0D178E57}"/>
+              </a:ext>
+            </a:extLst>
+          </p:cNvPr>
+          <p:cNvSpPr/>
+          <p:nvPr/>
+        </p:nvSpPr>
+        <p:spPr>
+          <a:xfrm>
+            <a:off x="959377" y="933765"/>
+            <a:ext cx="3240000" cy="56835"/>
+          </a:xfrm>
+          <a:prstGeom prst="rect">
+            <a:avLst/>
+          </a:prstGeom>
+          <a:solidFill>
+            <a:schemeClr val="bg1"/>
+          </a:solidFill>
+          <a:ln>
+            <a:noFill/>
+          </a:ln>
+        </p:spPr>
+        <p:style>
+          <a:lnRef idx="2">
+            <a:schemeClr val="accent1">
+              <a:shade val="50000"/>
+            </a:schemeClr>
+          </a:lnRef>
+          <a:fillRef idx="1">
+            <a:schemeClr val="accent1"/>
+          </a:fillRef>
+          <a:effectRef idx="0">
+            <a:schemeClr val="accent1"/>
+          </a:effectRef>
+          <a:fontRef idx="minor">
+            <a:schemeClr val="lt1"/>
+          </a:fontRef>
+        </p:style>
+        <p:txBody>
+          <a:bodyPr rtlCol="0" anchor="ctr"/>
+          <a:lstStyle/>
+          <a:p>
+            <a:pPr algn="ctr"/>
+            <a:endParaRPr lang="ko-KR" altLang="en-US">
+              <a:latin typeface="helvetica" panose="020B0604020202020204" pitchFamily="34" charset="0"/>
+              <a:cs typeface="helvetica" panose="020B0604020202020204" pitchFamily="34" charset="0"/>
+            </a:endParaRPr>
+          </a:p>
+        </p:txBody>
+      </p:sp>
+    </p:spTree>
+    <p:extLst>
+      <p:ext uri="{BB962C8B-B14F-4D97-AF65-F5344CB8AC3E}">
+        <p14:creationId xmlns:p14="http://schemas.microsoft.com/office/powerpoint/2010/main" val="3572081294"/>
+      </p:ext>
+    </p:extLst>
+  </p:cSld>
+  <p:clrMapOvr>
+    <a:masterClrMapping/>
+  </p:clrMapOvr>
+</p:sld>
+</file>
+
+<file path=ppt/slides/slide6.xml><?xml version="1.0" encoding="utf-8"?>
 <p:sld xmlns:a="http://schemas.openxmlformats.org/drawingml/2006/main" xmlns:r="http://schemas.openxmlformats.org/officeDocument/2006/relationships" xmlns:p="http://schemas.openxmlformats.org/presentationml/2006/main">
   <p:cSld>
     <p:spTree>
